--- a/day01-Java入门/16-JDK和JRE.pptx
+++ b/day01-Java入门/16-JDK和JRE.pptx
@@ -5,21 +5,20 @@
     <p:sldMasterId id="2147483648" r:id="rId1"/>
   </p:sldMasterIdLst>
   <p:sldIdLst>
-    <p:sldId id="256" r:id="rId3"/>
-    <p:sldId id="259" r:id="rId4"/>
-    <p:sldId id="260" r:id="rId5"/>
-    <p:sldId id="267" r:id="rId6"/>
-    <p:sldId id="269" r:id="rId7"/>
-    <p:sldId id="271" r:id="rId8"/>
-    <p:sldId id="273" r:id="rId9"/>
-    <p:sldId id="274" r:id="rId10"/>
-    <p:sldId id="275" r:id="rId11"/>
-    <p:sldId id="276" r:id="rId12"/>
+    <p:sldId id="259" r:id="rId3"/>
+    <p:sldId id="260" r:id="rId4"/>
+    <p:sldId id="267" r:id="rId5"/>
+    <p:sldId id="269" r:id="rId6"/>
+    <p:sldId id="271" r:id="rId7"/>
+    <p:sldId id="273" r:id="rId8"/>
+    <p:sldId id="274" r:id="rId9"/>
+    <p:sldId id="275" r:id="rId10"/>
+    <p:sldId id="276" r:id="rId11"/>
   </p:sldIdLst>
   <p:sldSz cx="14630400" cy="8229600" type="screen4x3"/>
   <p:notesSz cx="6858000" cy="9144000"/>
   <p:custDataLst>
-    <p:tags r:id="rId16"/>
+    <p:tags r:id="rId15"/>
   </p:custDataLst>
   <p:defaultTextStyle>
     <a:defPPr>
@@ -3059,49 +3058,7 @@
       <p:grpSpPr/>
       <p:pic>
         <p:nvPicPr>
-          <p:cNvPr id="2" name="Picture 1" descr="6661_ffmpeg.bmp"/>
-          <p:cNvPicPr>
-            <a:picLocks noChangeAspect="1"/>
-          </p:cNvPicPr>
-          <p:nvPr/>
-        </p:nvPicPr>
-        <p:blipFill>
-          <a:blip r:embed="rId1"/>
-          <a:stretch>
-            <a:fillRect/>
-          </a:stretch>
-        </p:blipFill>
-        <p:spPr>
-          <a:xfrm>
-            <a:off x="0" y="0"/>
-            <a:ext cx="14630400" cy="8229600"/>
-          </a:xfrm>
-          <a:prstGeom prst="rect">
-            <a:avLst/>
-          </a:prstGeom>
-        </p:spPr>
-      </p:pic>
-    </p:spTree>
-  </p:cSld>
-  <p:clrMapOvr>
-    <a:masterClrMapping/>
-  </p:clrMapOvr>
-</p:sld>
-</file>
-
-<file path=ppt/slides/slide10.xml><?xml version="1.0" encoding="utf-8"?>
-<p:sld xmlns:a="http://schemas.openxmlformats.org/drawingml/2006/main" xmlns:r="http://schemas.openxmlformats.org/officeDocument/2006/relationships" xmlns:p="http://schemas.openxmlformats.org/presentationml/2006/main">
-  <p:cSld>
-    <p:spTree>
-      <p:nvGrpSpPr>
-        <p:cNvPr id="1" name=""/>
-        <p:cNvGrpSpPr/>
-        <p:nvPr/>
-      </p:nvGrpSpPr>
-      <p:grpSpPr/>
-      <p:pic>
-        <p:nvPicPr>
-          <p:cNvPr id="2" name="Picture 1" descr="666150_ffmpeg.bmp"/>
+          <p:cNvPr id="2" name="Picture 1" descr="6664_ffmpeg.bmp"/>
           <p:cNvPicPr>
             <a:picLocks noChangeAspect="1"/>
           </p:cNvPicPr>
@@ -3143,7 +3100,7 @@
       <p:grpSpPr/>
       <p:pic>
         <p:nvPicPr>
-          <p:cNvPr id="2" name="Picture 1" descr="6664_ffmpeg.bmp"/>
+          <p:cNvPr id="2" name="Picture 1" descr="6665_ffmpeg.bmp"/>
           <p:cNvPicPr>
             <a:picLocks noChangeAspect="1"/>
           </p:cNvPicPr>
@@ -3185,7 +3142,7 @@
       <p:grpSpPr/>
       <p:pic>
         <p:nvPicPr>
-          <p:cNvPr id="2" name="Picture 1" descr="6665_ffmpeg.bmp"/>
+          <p:cNvPr id="2" name="Picture 1" descr="66654_ffmpeg.bmp"/>
           <p:cNvPicPr>
             <a:picLocks noChangeAspect="1"/>
           </p:cNvPicPr>
@@ -3227,7 +3184,7 @@
       <p:grpSpPr/>
       <p:pic>
         <p:nvPicPr>
-          <p:cNvPr id="2" name="Picture 1" descr="66654_ffmpeg.bmp"/>
+          <p:cNvPr id="2" name="Picture 1" descr="66664_ffmpeg.bmp"/>
           <p:cNvPicPr>
             <a:picLocks noChangeAspect="1"/>
           </p:cNvPicPr>
@@ -3269,7 +3226,7 @@
       <p:grpSpPr/>
       <p:pic>
         <p:nvPicPr>
-          <p:cNvPr id="2" name="Picture 1" descr="66664_ffmpeg.bmp"/>
+          <p:cNvPr id="2" name="Picture 1" descr="666106_ffmpeg.bmp"/>
           <p:cNvPicPr>
             <a:picLocks noChangeAspect="1"/>
           </p:cNvPicPr>
@@ -3311,7 +3268,7 @@
       <p:grpSpPr/>
       <p:pic>
         <p:nvPicPr>
-          <p:cNvPr id="2" name="Picture 1" descr="666106_ffmpeg.bmp"/>
+          <p:cNvPr id="2" name="Picture 1" descr="666140_ffmpeg.bmp"/>
           <p:cNvPicPr>
             <a:picLocks noChangeAspect="1"/>
           </p:cNvPicPr>
@@ -3353,7 +3310,7 @@
       <p:grpSpPr/>
       <p:pic>
         <p:nvPicPr>
-          <p:cNvPr id="2" name="Picture 1" descr="666140_ffmpeg.bmp"/>
+          <p:cNvPr id="2" name="Picture 1" descr="666141_ffmpeg.bmp"/>
           <p:cNvPicPr>
             <a:picLocks noChangeAspect="1"/>
           </p:cNvPicPr>
@@ -3395,7 +3352,7 @@
       <p:grpSpPr/>
       <p:pic>
         <p:nvPicPr>
-          <p:cNvPr id="2" name="Picture 1" descr="666141_ffmpeg.bmp"/>
+          <p:cNvPr id="2" name="Picture 1" descr="666148_ffmpeg.bmp"/>
           <p:cNvPicPr>
             <a:picLocks noChangeAspect="1"/>
           </p:cNvPicPr>
@@ -3437,7 +3394,7 @@
       <p:grpSpPr/>
       <p:pic>
         <p:nvPicPr>
-          <p:cNvPr id="2" name="Picture 1" descr="666148_ffmpeg.bmp"/>
+          <p:cNvPr id="2" name="Picture 1" descr="666150_ffmpeg.bmp"/>
           <p:cNvPicPr>
             <a:picLocks noChangeAspect="1"/>
           </p:cNvPicPr>
